--- a/docs/slides/06-Features.pptx
+++ b/docs/slides/06-Features.pptx
@@ -224,7 +224,7 @@
           <a:p>
             <a:fld id="{7C647723-25B9-CF47-A216-173A2D9E2DD6}" type="datetimeFigureOut">
               <a:rPr lang="en-US" smtClean="0"/>
-              <a:t>10/11/22</a:t>
+              <a:t>10/16/23</a:t>
             </a:fld>
             <a:endParaRPr lang="en-US"/>
           </a:p>
@@ -389,7 +389,7 @@
           <a:p>
             <a:fld id="{62ECFB24-C06C-DE40-B28C-DA8348A9C824}" type="datetimeFigureOut">
               <a:rPr lang="en-US" smtClean="0"/>
-              <a:t>10/11/22</a:t>
+              <a:t>10/16/23</a:t>
             </a:fld>
             <a:endParaRPr lang="en-US"/>
           </a:p>
@@ -803,7 +803,7 @@
           <a:p>
             <a:fld id="{C9A5E26F-99F5-6042-9D19-5B565D0B360D}" type="datetimeFigureOut">
               <a:rPr lang="en-US" smtClean="0"/>
-              <a:t>10/11/22</a:t>
+              <a:t>10/16/23</a:t>
             </a:fld>
             <a:endParaRPr lang="en-US"/>
           </a:p>
@@ -1001,7 +1001,7 @@
           <a:p>
             <a:fld id="{C9A5E26F-99F5-6042-9D19-5B565D0B360D}" type="datetimeFigureOut">
               <a:rPr lang="en-US" smtClean="0"/>
-              <a:t>10/11/22</a:t>
+              <a:t>10/16/23</a:t>
             </a:fld>
             <a:endParaRPr lang="en-US"/>
           </a:p>
@@ -1209,7 +1209,7 @@
           <a:p>
             <a:fld id="{C9A5E26F-99F5-6042-9D19-5B565D0B360D}" type="datetimeFigureOut">
               <a:rPr lang="en-US" smtClean="0"/>
-              <a:t>10/11/22</a:t>
+              <a:t>10/16/23</a:t>
             </a:fld>
             <a:endParaRPr lang="en-US"/>
           </a:p>
@@ -1829,7 +1829,7 @@
           <a:p>
             <a:fld id="{C9A5E26F-99F5-6042-9D19-5B565D0B360D}" type="datetimeFigureOut">
               <a:rPr lang="en-US" smtClean="0"/>
-              <a:t>10/11/22</a:t>
+              <a:t>10/16/23</a:t>
             </a:fld>
             <a:endParaRPr lang="en-US"/>
           </a:p>
@@ -2104,7 +2104,7 @@
           <a:p>
             <a:fld id="{C9A5E26F-99F5-6042-9D19-5B565D0B360D}" type="datetimeFigureOut">
               <a:rPr lang="en-US" smtClean="0"/>
-              <a:t>10/11/22</a:t>
+              <a:t>10/16/23</a:t>
             </a:fld>
             <a:endParaRPr lang="en-US"/>
           </a:p>
@@ -2369,7 +2369,7 @@
           <a:p>
             <a:fld id="{C9A5E26F-99F5-6042-9D19-5B565D0B360D}" type="datetimeFigureOut">
               <a:rPr lang="en-US" smtClean="0"/>
-              <a:t>10/11/22</a:t>
+              <a:t>10/16/23</a:t>
             </a:fld>
             <a:endParaRPr lang="en-US"/>
           </a:p>
@@ -2781,7 +2781,7 @@
           <a:p>
             <a:fld id="{C9A5E26F-99F5-6042-9D19-5B565D0B360D}" type="datetimeFigureOut">
               <a:rPr lang="en-US" smtClean="0"/>
-              <a:t>10/11/22</a:t>
+              <a:t>10/16/23</a:t>
             </a:fld>
             <a:endParaRPr lang="en-US"/>
           </a:p>
@@ -2922,7 +2922,7 @@
           <a:p>
             <a:fld id="{C9A5E26F-99F5-6042-9D19-5B565D0B360D}" type="datetimeFigureOut">
               <a:rPr lang="en-US" smtClean="0"/>
-              <a:t>10/11/22</a:t>
+              <a:t>10/16/23</a:t>
             </a:fld>
             <a:endParaRPr lang="en-US"/>
           </a:p>
@@ -3035,7 +3035,7 @@
           <a:p>
             <a:fld id="{C9A5E26F-99F5-6042-9D19-5B565D0B360D}" type="datetimeFigureOut">
               <a:rPr lang="en-US" smtClean="0"/>
-              <a:t>10/11/22</a:t>
+              <a:t>10/16/23</a:t>
             </a:fld>
             <a:endParaRPr lang="en-US"/>
           </a:p>
@@ -3346,7 +3346,7 @@
           <a:p>
             <a:fld id="{C9A5E26F-99F5-6042-9D19-5B565D0B360D}" type="datetimeFigureOut">
               <a:rPr lang="en-US" smtClean="0"/>
-              <a:t>10/11/22</a:t>
+              <a:t>10/16/23</a:t>
             </a:fld>
             <a:endParaRPr lang="en-US"/>
           </a:p>
@@ -3634,7 +3634,7 @@
           <a:p>
             <a:fld id="{C9A5E26F-99F5-6042-9D19-5B565D0B360D}" type="datetimeFigureOut">
               <a:rPr lang="en-US" smtClean="0"/>
-              <a:t>10/11/22</a:t>
+              <a:t>10/16/23</a:t>
             </a:fld>
             <a:endParaRPr lang="en-US"/>
           </a:p>
@@ -3875,7 +3875,7 @@
           <a:p>
             <a:fld id="{C9A5E26F-99F5-6042-9D19-5B565D0B360D}" type="datetimeFigureOut">
               <a:rPr lang="en-US" smtClean="0"/>
-              <a:t>10/11/22</a:t>
+              <a:t>10/16/23</a:t>
             </a:fld>
             <a:endParaRPr lang="en-US"/>
           </a:p>
@@ -4591,9 +4591,10 @@
           <a:lstStyle/>
           <a:p>
             <a:r>
-              <a:rPr lang="en-US" dirty="0"/>
-              <a:t>Statistical Features</a:t>
-            </a:r>
+              <a:rPr lang="en-US"/>
+              <a:t>Statistical Features (STAT)</a:t>
+            </a:r>
+            <a:endParaRPr lang="en-US" dirty="0"/>
           </a:p>
         </p:txBody>
       </p:sp>

--- a/docs/slides/06-Features.pptx
+++ b/docs/slides/06-Features.pptx
@@ -224,7 +224,7 @@
           <a:p>
             <a:fld id="{7C647723-25B9-CF47-A216-173A2D9E2DD6}" type="datetimeFigureOut">
               <a:rPr lang="en-US" smtClean="0"/>
-              <a:t>10/16/23</a:t>
+              <a:t>12/27/24</a:t>
             </a:fld>
             <a:endParaRPr lang="en-US"/>
           </a:p>
@@ -389,7 +389,7 @@
           <a:p>
             <a:fld id="{62ECFB24-C06C-DE40-B28C-DA8348A9C824}" type="datetimeFigureOut">
               <a:rPr lang="en-US" smtClean="0"/>
-              <a:t>10/16/23</a:t>
+              <a:t>12/27/24</a:t>
             </a:fld>
             <a:endParaRPr lang="en-US"/>
           </a:p>
@@ -656,6 +656,90 @@
 </p:notesMaster>
 </file>
 
+<file path=ppt/notesSlides/notesSlide1.xml><?xml version="1.0" encoding="utf-8"?>
+<p:notes xmlns:a="http://schemas.openxmlformats.org/drawingml/2006/main" xmlns:r="http://schemas.openxmlformats.org/officeDocument/2006/relationships" xmlns:p="http://schemas.openxmlformats.org/presentationml/2006/main">
+  <p:cSld>
+    <p:spTree>
+      <p:nvGrpSpPr>
+        <p:cNvPr id="1" name=""/>
+        <p:cNvGrpSpPr/>
+        <p:nvPr/>
+      </p:nvGrpSpPr>
+      <p:grpSpPr>
+        <a:xfrm>
+          <a:off x="0" y="0"/>
+          <a:ext cx="0" cy="0"/>
+          <a:chOff x="0" y="0"/>
+          <a:chExt cx="0" cy="0"/>
+        </a:xfrm>
+      </p:grpSpPr>
+      <p:sp>
+        <p:nvSpPr>
+          <p:cNvPr id="2" name="Slide Image Placeholder 1"/>
+          <p:cNvSpPr>
+            <a:spLocks noGrp="1" noRot="1" noChangeAspect="1"/>
+          </p:cNvSpPr>
+          <p:nvPr>
+            <p:ph type="sldImg"/>
+          </p:nvPr>
+        </p:nvSpPr>
+        <p:spPr/>
+      </p:sp>
+      <p:sp>
+        <p:nvSpPr>
+          <p:cNvPr id="3" name="Notes Placeholder 2"/>
+          <p:cNvSpPr>
+            <a:spLocks noGrp="1"/>
+          </p:cNvSpPr>
+          <p:nvPr>
+            <p:ph type="body" idx="1"/>
+          </p:nvPr>
+        </p:nvSpPr>
+        <p:spPr/>
+        <p:txBody>
+          <a:bodyPr/>
+          <a:lstStyle/>
+          <a:p>
+            <a:endParaRPr lang="en-US" dirty="0"/>
+          </a:p>
+        </p:txBody>
+      </p:sp>
+      <p:sp>
+        <p:nvSpPr>
+          <p:cNvPr id="4" name="Slide Number Placeholder 3"/>
+          <p:cNvSpPr>
+            <a:spLocks noGrp="1"/>
+          </p:cNvSpPr>
+          <p:nvPr>
+            <p:ph type="sldNum" sz="quarter" idx="5"/>
+          </p:nvPr>
+        </p:nvSpPr>
+        <p:spPr/>
+        <p:txBody>
+          <a:bodyPr/>
+          <a:lstStyle/>
+          <a:p>
+            <a:fld id="{F5BA5088-F3D2-6C40-98C2-10A301698875}" type="slidenum">
+              <a:rPr lang="en-US" smtClean="0"/>
+              <a:t>2</a:t>
+            </a:fld>
+            <a:endParaRPr lang="en-US"/>
+          </a:p>
+        </p:txBody>
+      </p:sp>
+    </p:spTree>
+    <p:extLst>
+      <p:ext uri="{BB962C8B-B14F-4D97-AF65-F5344CB8AC3E}">
+        <p14:creationId xmlns:p14="http://schemas.microsoft.com/office/powerpoint/2010/main" val="2560262166"/>
+      </p:ext>
+    </p:extLst>
+  </p:cSld>
+  <p:clrMapOvr>
+    <a:masterClrMapping/>
+  </p:clrMapOvr>
+</p:notes>
+</file>
+
 <file path=ppt/slideLayouts/slideLayout1.xml><?xml version="1.0" encoding="utf-8"?>
 <p:sldLayout xmlns:a="http://schemas.openxmlformats.org/drawingml/2006/main" xmlns:r="http://schemas.openxmlformats.org/officeDocument/2006/relationships" xmlns:p="http://schemas.openxmlformats.org/presentationml/2006/main" type="title" preserve="1">
   <p:cSld name="Title Slide">
@@ -803,7 +887,7 @@
           <a:p>
             <a:fld id="{C9A5E26F-99F5-6042-9D19-5B565D0B360D}" type="datetimeFigureOut">
               <a:rPr lang="en-US" smtClean="0"/>
-              <a:t>10/16/23</a:t>
+              <a:t>12/27/24</a:t>
             </a:fld>
             <a:endParaRPr lang="en-US"/>
           </a:p>
@@ -1001,7 +1085,7 @@
           <a:p>
             <a:fld id="{C9A5E26F-99F5-6042-9D19-5B565D0B360D}" type="datetimeFigureOut">
               <a:rPr lang="en-US" smtClean="0"/>
-              <a:t>10/16/23</a:t>
+              <a:t>12/27/24</a:t>
             </a:fld>
             <a:endParaRPr lang="en-US"/>
           </a:p>
@@ -1209,7 +1293,7 @@
           <a:p>
             <a:fld id="{C9A5E26F-99F5-6042-9D19-5B565D0B360D}" type="datetimeFigureOut">
               <a:rPr lang="en-US" smtClean="0"/>
-              <a:t>10/16/23</a:t>
+              <a:t>12/27/24</a:t>
             </a:fld>
             <a:endParaRPr lang="en-US"/>
           </a:p>
@@ -1829,7 +1913,7 @@
           <a:p>
             <a:fld id="{C9A5E26F-99F5-6042-9D19-5B565D0B360D}" type="datetimeFigureOut">
               <a:rPr lang="en-US" smtClean="0"/>
-              <a:t>10/16/23</a:t>
+              <a:t>12/27/24</a:t>
             </a:fld>
             <a:endParaRPr lang="en-US"/>
           </a:p>
@@ -2104,7 +2188,7 @@
           <a:p>
             <a:fld id="{C9A5E26F-99F5-6042-9D19-5B565D0B360D}" type="datetimeFigureOut">
               <a:rPr lang="en-US" smtClean="0"/>
-              <a:t>10/16/23</a:t>
+              <a:t>12/27/24</a:t>
             </a:fld>
             <a:endParaRPr lang="en-US"/>
           </a:p>
@@ -2369,7 +2453,7 @@
           <a:p>
             <a:fld id="{C9A5E26F-99F5-6042-9D19-5B565D0B360D}" type="datetimeFigureOut">
               <a:rPr lang="en-US" smtClean="0"/>
-              <a:t>10/16/23</a:t>
+              <a:t>12/27/24</a:t>
             </a:fld>
             <a:endParaRPr lang="en-US"/>
           </a:p>
@@ -2781,7 +2865,7 @@
           <a:p>
             <a:fld id="{C9A5E26F-99F5-6042-9D19-5B565D0B360D}" type="datetimeFigureOut">
               <a:rPr lang="en-US" smtClean="0"/>
-              <a:t>10/16/23</a:t>
+              <a:t>12/27/24</a:t>
             </a:fld>
             <a:endParaRPr lang="en-US"/>
           </a:p>
@@ -2922,7 +3006,7 @@
           <a:p>
             <a:fld id="{C9A5E26F-99F5-6042-9D19-5B565D0B360D}" type="datetimeFigureOut">
               <a:rPr lang="en-US" smtClean="0"/>
-              <a:t>10/16/23</a:t>
+              <a:t>12/27/24</a:t>
             </a:fld>
             <a:endParaRPr lang="en-US"/>
           </a:p>
@@ -3035,7 +3119,7 @@
           <a:p>
             <a:fld id="{C9A5E26F-99F5-6042-9D19-5B565D0B360D}" type="datetimeFigureOut">
               <a:rPr lang="en-US" smtClean="0"/>
-              <a:t>10/16/23</a:t>
+              <a:t>12/27/24</a:t>
             </a:fld>
             <a:endParaRPr lang="en-US"/>
           </a:p>
@@ -3346,7 +3430,7 @@
           <a:p>
             <a:fld id="{C9A5E26F-99F5-6042-9D19-5B565D0B360D}" type="datetimeFigureOut">
               <a:rPr lang="en-US" smtClean="0"/>
-              <a:t>10/16/23</a:t>
+              <a:t>12/27/24</a:t>
             </a:fld>
             <a:endParaRPr lang="en-US"/>
           </a:p>
@@ -3634,7 +3718,7 @@
           <a:p>
             <a:fld id="{C9A5E26F-99F5-6042-9D19-5B565D0B360D}" type="datetimeFigureOut">
               <a:rPr lang="en-US" smtClean="0"/>
-              <a:t>10/16/23</a:t>
+              <a:t>12/27/24</a:t>
             </a:fld>
             <a:endParaRPr lang="en-US"/>
           </a:p>
@@ -3875,7 +3959,7 @@
           <a:p>
             <a:fld id="{C9A5E26F-99F5-6042-9D19-5B565D0B360D}" type="datetimeFigureOut">
               <a:rPr lang="en-US" smtClean="0"/>
-              <a:t>10/16/23</a:t>
+              <a:t>12/27/24</a:t>
             </a:fld>
             <a:endParaRPr lang="en-US"/>
           </a:p>
